--- a/monitoring/expeca-monitoring.pptx
+++ b/monitoring/expeca-monitoring.pptx
@@ -228,7 +228,7 @@
           <a:p>
             <a:fld id="{D4C3AE95-3DFC-4DDB-A7BB-B9BF94A03429}" type="datetimeFigureOut">
               <a:rPr lang="sv-SE" smtClean="0"/>
-              <a:t>2024-10-24</a:t>
+              <a:t>2024-10-25</a:t>
             </a:fld>
             <a:endParaRPr lang="sv-SE"/>
           </a:p>
@@ -405,7 +405,7 @@
           <a:p>
             <a:fld id="{4A8539D3-FAF3-FC43-8825-CC8C9D4686B2}" type="datetimeFigureOut">
               <a:rPr lang="sv-SE" smtClean="0"/>
-              <a:t>2024-10-24</a:t>
+              <a:t>2024-10-25</a:t>
             </a:fld>
             <a:endParaRPr lang="sv-SE"/>
           </a:p>
@@ -767,7 +767,7 @@
           <a:p>
             <a:fld id="{CD1B926A-213D-3B48-BB0C-19ADA28B3F4D}" type="datetime1">
               <a:rPr lang="sv-SE" smtClean="0"/>
-              <a:t>2024-10-24</a:t>
+              <a:t>2024-10-25</a:t>
             </a:fld>
             <a:endParaRPr lang="sv-SE"/>
           </a:p>
@@ -976,7 +976,7 @@
           <a:p>
             <a:fld id="{79CEF508-B04A-E34A-80DD-59A12C5D1039}" type="datetime1">
               <a:rPr lang="sv-SE" smtClean="0"/>
-              <a:t>2024-10-24</a:t>
+              <a:t>2024-10-25</a:t>
             </a:fld>
             <a:endParaRPr lang="sv-SE"/>
           </a:p>
@@ -1354,7 +1354,7 @@
           <a:p>
             <a:fld id="{95D3F4D8-4BE6-D743-AE27-D14757A6F270}" type="datetime1">
               <a:rPr lang="sv-SE" smtClean="0"/>
-              <a:t>2024-10-24</a:t>
+              <a:t>2024-10-25</a:t>
             </a:fld>
             <a:endParaRPr lang="sv-SE"/>
           </a:p>
@@ -1584,7 +1584,7 @@
           <a:p>
             <a:fld id="{A9663559-229D-724F-BBD5-623E582CF5C1}" type="datetime1">
               <a:rPr lang="sv-SE" smtClean="0"/>
-              <a:t>2024-10-24</a:t>
+              <a:t>2024-10-25</a:t>
             </a:fld>
             <a:endParaRPr lang="sv-SE"/>
           </a:p>
@@ -1889,7 +1889,7 @@
           <a:p>
             <a:fld id="{F4AF60D0-FE42-A248-8A54-F26FEA948759}" type="datetime1">
               <a:rPr lang="sv-SE" smtClean="0"/>
-              <a:t>2024-10-24</a:t>
+              <a:t>2024-10-25</a:t>
             </a:fld>
             <a:endParaRPr lang="sv-SE"/>
           </a:p>
@@ -2276,7 +2276,7 @@
           <a:p>
             <a:fld id="{11BA7D9E-CD1D-F144-88A8-27D2C4D672B1}" type="datetime1">
               <a:rPr lang="sv-SE" smtClean="0"/>
-              <a:t>2024-10-24</a:t>
+              <a:t>2024-10-25</a:t>
             </a:fld>
             <a:endParaRPr lang="sv-SE"/>
           </a:p>
@@ -2453,7 +2453,7 @@
           <a:p>
             <a:fld id="{091585DF-A6DF-A54D-9960-BE991B45200F}" type="datetime1">
               <a:rPr lang="sv-SE" smtClean="0"/>
-              <a:t>2024-10-24</a:t>
+              <a:t>2024-10-25</a:t>
             </a:fld>
             <a:endParaRPr lang="sv-SE"/>
           </a:p>
@@ -2664,7 +2664,7 @@
           <a:p>
             <a:fld id="{CCE91D87-1285-6843-BFFA-E098C31F828A}" type="datetime1">
               <a:rPr lang="sv-SE" smtClean="0"/>
-              <a:t>2024-10-24</a:t>
+              <a:t>2024-10-25</a:t>
             </a:fld>
             <a:endParaRPr lang="sv-SE"/>
           </a:p>
@@ -2866,7 +2866,7 @@
           <a:p>
             <a:fld id="{0DBE8303-AD2F-DB4D-B8E2-7368B5FD02EE}" type="datetime1">
               <a:rPr lang="sv-SE" smtClean="0"/>
-              <a:t>2024-10-24</a:t>
+              <a:t>2024-10-25</a:t>
             </a:fld>
             <a:endParaRPr lang="sv-SE" dirty="0"/>
           </a:p>
@@ -3497,7 +3497,7 @@
             <a:fld id="{AE1FD966-E856-D943-A136-678CE7D86287}" type="datetime1">
               <a:rPr lang="sv-SE" smtClean="0"/>
               <a:pPr/>
-              <a:t>2024-10-24</a:t>
+              <a:t>2024-10-25</a:t>
             </a:fld>
             <a:endParaRPr lang="sv-SE" dirty="0"/>
           </a:p>
@@ -3709,7 +3709,7 @@
             <a:fld id="{6FA8D38B-7A85-7E4E-9C9B-12F394E7FE78}" type="datetime1">
               <a:rPr lang="sv-SE" smtClean="0"/>
               <a:pPr/>
-              <a:t>2024-10-24</a:t>
+              <a:t>2024-10-25</a:t>
             </a:fld>
             <a:endParaRPr lang="sv-SE" dirty="0"/>
           </a:p>
@@ -3912,7 +3912,7 @@
             <a:fld id="{6FA8D38B-7A85-7E4E-9C9B-12F394E7FE78}" type="datetime1">
               <a:rPr lang="sv-SE" smtClean="0"/>
               <a:pPr/>
-              <a:t>2024-10-24</a:t>
+              <a:t>2024-10-25</a:t>
             </a:fld>
             <a:endParaRPr lang="sv-SE" dirty="0"/>
           </a:p>
@@ -4115,7 +4115,7 @@
             <a:fld id="{6FA8D38B-7A85-7E4E-9C9B-12F394E7FE78}" type="datetime1">
               <a:rPr lang="sv-SE" smtClean="0"/>
               <a:pPr/>
-              <a:t>2024-10-24</a:t>
+              <a:t>2024-10-25</a:t>
             </a:fld>
             <a:endParaRPr lang="sv-SE" dirty="0"/>
           </a:p>
@@ -4317,7 +4317,7 @@
             <a:fld id="{6FA8D38B-7A85-7E4E-9C9B-12F394E7FE78}" type="datetime1">
               <a:rPr lang="sv-SE" smtClean="0"/>
               <a:pPr/>
-              <a:t>2024-10-24</a:t>
+              <a:t>2024-10-25</a:t>
             </a:fld>
             <a:endParaRPr lang="sv-SE" dirty="0"/>
           </a:p>
@@ -4527,7 +4527,7 @@
             <a:fld id="{6FA8D38B-7A85-7E4E-9C9B-12F394E7FE78}" type="datetime1">
               <a:rPr lang="sv-SE" smtClean="0"/>
               <a:pPr/>
-              <a:t>2024-10-24</a:t>
+              <a:t>2024-10-25</a:t>
             </a:fld>
             <a:endParaRPr lang="sv-SE" dirty="0"/>
           </a:p>
@@ -4854,7 +4854,7 @@
                   <a:spcPts val="600"/>
                 </a:spcAft>
               </a:pPr>
-              <a:t>2024-10-24</a:t>
+              <a:t>2024-10-25</a:t>
             </a:fld>
             <a:endParaRPr lang="sv-SE"/>
           </a:p>
@@ -5073,7 +5073,7 @@
             <a:fld id="{6FA8D38B-7A85-7E4E-9C9B-12F394E7FE78}" type="datetime1">
               <a:rPr lang="sv-SE" smtClean="0"/>
               <a:pPr/>
-              <a:t>2024-10-24</a:t>
+              <a:t>2024-10-25</a:t>
             </a:fld>
             <a:endParaRPr lang="sv-SE" dirty="0"/>
           </a:p>
@@ -6400,7 +6400,7 @@
             <a:fld id="{6FA8D38B-7A85-7E4E-9C9B-12F394E7FE78}" type="datetime1">
               <a:rPr lang="sv-SE" smtClean="0"/>
               <a:pPr/>
-              <a:t>2024-10-24</a:t>
+              <a:t>2024-10-25</a:t>
             </a:fld>
             <a:endParaRPr lang="sv-SE" dirty="0"/>
           </a:p>
@@ -6631,7 +6631,7 @@
             <a:fld id="{6FA8D38B-7A85-7E4E-9C9B-12F394E7FE78}" type="datetime1">
               <a:rPr lang="sv-SE" smtClean="0"/>
               <a:pPr/>
-              <a:t>2024-10-24</a:t>
+              <a:t>2024-10-25</a:t>
             </a:fld>
             <a:endParaRPr lang="sv-SE" dirty="0"/>
           </a:p>
@@ -6871,7 +6871,7 @@
             <a:fld id="{6FA8D38B-7A85-7E4E-9C9B-12F394E7FE78}" type="datetime1">
               <a:rPr lang="sv-SE" smtClean="0"/>
               <a:pPr/>
-              <a:t>2024-10-24</a:t>
+              <a:t>2024-10-25</a:t>
             </a:fld>
             <a:endParaRPr lang="sv-SE" dirty="0"/>
           </a:p>
@@ -7001,7 +7001,7 @@
       </p:sp>
       <p:pic>
         <p:nvPicPr>
-          <p:cNvPr id="2" name="Picture 1" descr="A blue and black octagon shaped object&#10;&#10;Description automatically generated">
+          <p:cNvPr id="2" name="Picture 1">
             <a:extLst>
               <a:ext uri="{FF2B5EF4-FFF2-40B4-BE49-F238E27FC236}">
                 <a16:creationId xmlns:a16="http://schemas.microsoft.com/office/drawing/2014/main" id="{7337345F-2EB4-827E-B93C-C45F349E3347}"/>
@@ -7021,14 +7021,13 @@
               </a:ext>
             </a:extLst>
           </a:blip>
-          <a:stretch>
-            <a:fillRect/>
-          </a:stretch>
+          <a:srcRect/>
+          <a:stretch/>
         </p:blipFill>
         <p:spPr>
           <a:xfrm>
-            <a:off x="2915816" y="250032"/>
-            <a:ext cx="639299" cy="649447"/>
+            <a:off x="2771800" y="330458"/>
+            <a:ext cx="949654" cy="486848"/>
           </a:xfrm>
           <a:prstGeom prst="rect">
             <a:avLst/>
@@ -7117,7 +7116,7 @@
             <a:fld id="{6FA8D38B-7A85-7E4E-9C9B-12F394E7FE78}" type="datetime1">
               <a:rPr lang="sv-SE" smtClean="0"/>
               <a:pPr/>
-              <a:t>2024-10-24</a:t>
+              <a:t>2024-10-25</a:t>
             </a:fld>
             <a:endParaRPr lang="sv-SE" dirty="0"/>
           </a:p>
@@ -7324,7 +7323,7 @@
             <a:fld id="{6FA8D38B-7A85-7E4E-9C9B-12F394E7FE78}" type="datetime1">
               <a:rPr lang="sv-SE" smtClean="0"/>
               <a:pPr/>
-              <a:t>2024-10-24</a:t>
+              <a:t>2024-10-25</a:t>
             </a:fld>
             <a:endParaRPr lang="sv-SE" dirty="0"/>
           </a:p>
@@ -7572,7 +7571,7 @@
             <a:fld id="{6FA8D38B-7A85-7E4E-9C9B-12F394E7FE78}" type="datetime1">
               <a:rPr lang="sv-SE" smtClean="0"/>
               <a:pPr/>
-              <a:t>2024-10-24</a:t>
+              <a:t>2024-10-25</a:t>
             </a:fld>
             <a:endParaRPr lang="sv-SE" dirty="0"/>
           </a:p>
